--- a/app_designs.pptx
+++ b/app_designs.pptx
@@ -5,10 +5,13 @@
     <p:sldMasterId id="2147483672" r:id="rId1"/>
   </p:sldMasterIdLst>
   <p:sldIdLst>
-    <p:sldId id="256" r:id="rId2"/>
-    <p:sldId id="257" r:id="rId3"/>
-    <p:sldId id="258" r:id="rId4"/>
-    <p:sldId id="260" r:id="rId5"/>
+    <p:sldId id="261" r:id="rId2"/>
+    <p:sldId id="262" r:id="rId3"/>
+    <p:sldId id="256" r:id="rId4"/>
+    <p:sldId id="263" r:id="rId5"/>
+    <p:sldId id="257" r:id="rId6"/>
+    <p:sldId id="258" r:id="rId7"/>
+    <p:sldId id="260" r:id="rId8"/>
   </p:sldIdLst>
   <p:sldSz cx="7351713" cy="10972800"/>
   <p:notesSz cx="6858000" cy="9144000"/>
@@ -107,6 +110,11 @@
       </a:defRPr>
     </a:lvl9pPr>
   </p:defaultTextStyle>
+  <p:extLst>
+    <p:ext uri="{EFAFB233-063F-42B5-8137-9DF3F51BA10A}">
+      <p15:sldGuideLst xmlns:p15="http://schemas.microsoft.com/office/powerpoint/2012/main"/>
+    </p:ext>
+  </p:extLst>
 </p:presentation>
 </file>
 
@@ -2955,6 +2963,2062 @@
 <file path=ppt/slides/slide1.xml><?xml version="1.0" encoding="utf-8"?>
 <p:sld xmlns:a="http://schemas.openxmlformats.org/drawingml/2006/main" xmlns:r="http://schemas.openxmlformats.org/officeDocument/2006/relationships" xmlns:p="http://schemas.openxmlformats.org/presentationml/2006/main">
   <p:cSld>
+    <p:bg>
+      <p:bgPr>
+        <a:solidFill>
+          <a:schemeClr val="accent6">
+            <a:lumMod val="60000"/>
+            <a:lumOff val="40000"/>
+          </a:schemeClr>
+        </a:solidFill>
+        <a:effectLst/>
+      </p:bgPr>
+    </p:bg>
+    <p:spTree>
+      <p:nvGrpSpPr>
+        <p:cNvPr id="1" name=""/>
+        <p:cNvGrpSpPr/>
+        <p:nvPr/>
+      </p:nvGrpSpPr>
+      <p:grpSpPr>
+        <a:xfrm>
+          <a:off x="0" y="0"/>
+          <a:ext cx="0" cy="0"/>
+          <a:chOff x="0" y="0"/>
+          <a:chExt cx="0" cy="0"/>
+        </a:xfrm>
+      </p:grpSpPr>
+      <p:sp>
+        <p:nvSpPr>
+          <p:cNvPr id="2" name="Title 1"/>
+          <p:cNvSpPr>
+            <a:spLocks noGrp="1"/>
+          </p:cNvSpPr>
+          <p:nvPr>
+            <p:ph type="title"/>
+          </p:nvPr>
+        </p:nvSpPr>
+        <p:spPr>
+          <a:xfrm>
+            <a:off x="485553" y="4003263"/>
+            <a:ext cx="6340852" cy="2120901"/>
+          </a:xfrm>
+        </p:spPr>
+        <p:txBody>
+          <a:bodyPr>
+            <a:normAutofit/>
+          </a:bodyPr>
+          <a:lstStyle/>
+          <a:p>
+            <a:pPr algn="ctr"/>
+            <a:r>
+              <a:rPr lang="en-US" sz="7200" spc="-300" dirty="0" err="1" smtClean="0">
+                <a:solidFill>
+                  <a:schemeClr val="bg1"/>
+                </a:solidFill>
+              </a:rPr>
+              <a:t>UtiLocator</a:t>
+            </a:r>
+            <a:r>
+              <a:rPr lang="en-US" sz="7200" spc="-300" dirty="0" smtClean="0">
+                <a:solidFill>
+                  <a:schemeClr val="bg1"/>
+                </a:solidFill>
+              </a:rPr>
+              <a:t>?</a:t>
+            </a:r>
+            <a:br>
+              <a:rPr lang="en-US" sz="7200" spc="-300" dirty="0" smtClean="0">
+                <a:solidFill>
+                  <a:schemeClr val="bg1"/>
+                </a:solidFill>
+              </a:rPr>
+            </a:br>
+            <a:r>
+              <a:rPr lang="en-US" sz="7200" spc="-300" dirty="0" err="1" smtClean="0">
+                <a:solidFill>
+                  <a:schemeClr val="bg1"/>
+                </a:solidFill>
+              </a:rPr>
+              <a:t>FindA</a:t>
+            </a:r>
+            <a:r>
+              <a:rPr lang="en-US" sz="7200" spc="-300" smtClean="0">
+                <a:solidFill>
+                  <a:schemeClr val="bg1"/>
+                </a:solidFill>
+              </a:rPr>
+              <a:t>?</a:t>
+            </a:r>
+            <a:endParaRPr lang="en-US" sz="7200" spc="-300" dirty="0">
+              <a:solidFill>
+                <a:schemeClr val="bg1"/>
+              </a:solidFill>
+            </a:endParaRPr>
+          </a:p>
+        </p:txBody>
+      </p:sp>
+    </p:spTree>
+    <p:extLst>
+      <p:ext uri="{BB962C8B-B14F-4D97-AF65-F5344CB8AC3E}">
+        <p14:creationId xmlns:p14="http://schemas.microsoft.com/office/powerpoint/2010/main" val="478658702"/>
+      </p:ext>
+    </p:extLst>
+  </p:cSld>
+  <p:clrMapOvr>
+    <a:masterClrMapping/>
+  </p:clrMapOvr>
+</p:sld>
+</file>
+
+<file path=ppt/slides/slide2.xml><?xml version="1.0" encoding="utf-8"?>
+<p:sld xmlns:a="http://schemas.openxmlformats.org/drawingml/2006/main" xmlns:r="http://schemas.openxmlformats.org/officeDocument/2006/relationships" xmlns:p="http://schemas.openxmlformats.org/presentationml/2006/main">
+  <p:cSld>
+    <p:spTree>
+      <p:nvGrpSpPr>
+        <p:cNvPr id="1" name=""/>
+        <p:cNvGrpSpPr/>
+        <p:nvPr/>
+      </p:nvGrpSpPr>
+      <p:grpSpPr>
+        <a:xfrm>
+          <a:off x="0" y="0"/>
+          <a:ext cx="0" cy="0"/>
+          <a:chOff x="0" y="0"/>
+          <a:chExt cx="0" cy="0"/>
+        </a:xfrm>
+      </p:grpSpPr>
+      <p:pic>
+        <p:nvPicPr>
+          <p:cNvPr id="1026" name="Picture 2" descr="google-maps-main.png (640×1136)"/>
+          <p:cNvPicPr>
+            <a:picLocks noChangeAspect="1" noChangeArrowheads="1"/>
+          </p:cNvPicPr>
+          <p:nvPr/>
+        </p:nvPicPr>
+        <p:blipFill rotWithShape="1">
+          <a:blip r:embed="rId2">
+            <a:extLst>
+              <a:ext uri="{28A0092B-C50C-407E-A947-70E740481C1C}">
+                <a14:useLocalDpi xmlns:a14="http://schemas.microsoft.com/office/drawing/2010/main" val="0"/>
+              </a:ext>
+            </a:extLst>
+          </a:blip>
+          <a:srcRect t="46123" b="10453"/>
+          <a:stretch/>
+        </p:blipFill>
+        <p:spPr bwMode="auto">
+          <a:xfrm rot="5400000">
+            <a:off x="-1193456" y="2013787"/>
+            <a:ext cx="9738624" cy="7351713"/>
+          </a:xfrm>
+          <a:prstGeom prst="rect">
+            <a:avLst/>
+          </a:prstGeom>
+          <a:noFill/>
+          <a:extLst>
+            <a:ext uri="{909E8E84-426E-40DD-AFC4-6F175D3DCCD1}">
+              <a14:hiddenFill xmlns:a14="http://schemas.microsoft.com/office/drawing/2010/main">
+                <a:solidFill>
+                  <a:srgbClr val="FFFFFF"/>
+                </a:solidFill>
+              </a14:hiddenFill>
+            </a:ext>
+          </a:extLst>
+        </p:spPr>
+      </p:pic>
+      <p:sp>
+        <p:nvSpPr>
+          <p:cNvPr id="5" name="Rectangle 4"/>
+          <p:cNvSpPr/>
+          <p:nvPr/>
+        </p:nvSpPr>
+        <p:spPr>
+          <a:xfrm>
+            <a:off x="1" y="0"/>
+            <a:ext cx="7351712" cy="1572768"/>
+          </a:xfrm>
+          <a:prstGeom prst="rect">
+            <a:avLst/>
+          </a:prstGeom>
+          <a:solidFill>
+            <a:schemeClr val="accent6">
+              <a:lumMod val="60000"/>
+              <a:lumOff val="40000"/>
+            </a:schemeClr>
+          </a:solidFill>
+          <a:ln>
+            <a:noFill/>
+          </a:ln>
+          <a:effectLst>
+            <a:outerShdw blurRad="50800" dist="38100" dir="5400000" algn="t" rotWithShape="0">
+              <a:prstClr val="black">
+                <a:alpha val="40000"/>
+              </a:prstClr>
+            </a:outerShdw>
+          </a:effectLst>
+        </p:spPr>
+        <p:style>
+          <a:lnRef idx="2">
+            <a:schemeClr val="accent1">
+              <a:shade val="50000"/>
+            </a:schemeClr>
+          </a:lnRef>
+          <a:fillRef idx="1">
+            <a:schemeClr val="accent1"/>
+          </a:fillRef>
+          <a:effectRef idx="0">
+            <a:schemeClr val="accent1"/>
+          </a:effectRef>
+          <a:fontRef idx="minor">
+            <a:schemeClr val="lt1"/>
+          </a:fontRef>
+        </p:style>
+        <p:txBody>
+          <a:bodyPr rtlCol="0" anchor="t"/>
+          <a:lstStyle/>
+          <a:p>
+            <a:r>
+              <a:rPr lang="en-US" sz="3200" dirty="0" smtClean="0"/>
+              <a:t> Restrooms</a:t>
+            </a:r>
+            <a:endParaRPr lang="en-US" sz="3200" dirty="0"/>
+          </a:p>
+        </p:txBody>
+      </p:sp>
+      <p:sp>
+        <p:nvSpPr>
+          <p:cNvPr id="10" name="Rectangle 9"/>
+          <p:cNvSpPr/>
+          <p:nvPr/>
+        </p:nvSpPr>
+        <p:spPr>
+          <a:xfrm>
+            <a:off x="0" y="1444355"/>
+            <a:ext cx="7351714" cy="144714"/>
+          </a:xfrm>
+          <a:prstGeom prst="rect">
+            <a:avLst/>
+          </a:prstGeom>
+          <a:solidFill>
+            <a:schemeClr val="bg2"/>
+          </a:solidFill>
+          <a:ln>
+            <a:noFill/>
+          </a:ln>
+        </p:spPr>
+        <p:style>
+          <a:lnRef idx="2">
+            <a:schemeClr val="accent1">
+              <a:shade val="50000"/>
+            </a:schemeClr>
+          </a:lnRef>
+          <a:fillRef idx="1">
+            <a:schemeClr val="accent1"/>
+          </a:fillRef>
+          <a:effectRef idx="0">
+            <a:schemeClr val="accent1"/>
+          </a:effectRef>
+          <a:fontRef idx="minor">
+            <a:schemeClr val="lt1"/>
+          </a:fontRef>
+        </p:style>
+        <p:txBody>
+          <a:bodyPr rtlCol="0" anchor="ctr"/>
+          <a:lstStyle/>
+          <a:p>
+            <a:pPr algn="ctr"/>
+            <a:endParaRPr lang="en-US"/>
+          </a:p>
+        </p:txBody>
+      </p:sp>
+      <p:sp>
+        <p:nvSpPr>
+          <p:cNvPr id="12" name="Rectangle 11"/>
+          <p:cNvSpPr/>
+          <p:nvPr/>
+        </p:nvSpPr>
+        <p:spPr>
+          <a:xfrm flipV="1">
+            <a:off x="-1" y="1444354"/>
+            <a:ext cx="1755649" cy="144714"/>
+          </a:xfrm>
+          <a:prstGeom prst="rect">
+            <a:avLst/>
+          </a:prstGeom>
+          <a:solidFill>
+            <a:schemeClr val="bg1"/>
+          </a:solidFill>
+          <a:ln>
+            <a:noFill/>
+          </a:ln>
+        </p:spPr>
+        <p:style>
+          <a:lnRef idx="2">
+            <a:schemeClr val="accent1">
+              <a:shade val="50000"/>
+            </a:schemeClr>
+          </a:lnRef>
+          <a:fillRef idx="1">
+            <a:schemeClr val="accent1"/>
+          </a:fillRef>
+          <a:effectRef idx="0">
+            <a:schemeClr val="accent1"/>
+          </a:effectRef>
+          <a:fontRef idx="minor">
+            <a:schemeClr val="lt1"/>
+          </a:fontRef>
+        </p:style>
+        <p:txBody>
+          <a:bodyPr rtlCol="0" anchor="ctr"/>
+          <a:lstStyle/>
+          <a:p>
+            <a:pPr algn="ctr"/>
+            <a:endParaRPr lang="en-US"/>
+          </a:p>
+        </p:txBody>
+      </p:sp>
+      <p:sp>
+        <p:nvSpPr>
+          <p:cNvPr id="6" name="Rectangle 5"/>
+          <p:cNvSpPr/>
+          <p:nvPr/>
+        </p:nvSpPr>
+        <p:spPr>
+          <a:xfrm>
+            <a:off x="1" y="10118035"/>
+            <a:ext cx="7351712" cy="854765"/>
+          </a:xfrm>
+          <a:prstGeom prst="rect">
+            <a:avLst/>
+          </a:prstGeom>
+          <a:solidFill>
+            <a:schemeClr val="accent6">
+              <a:lumMod val="60000"/>
+              <a:lumOff val="40000"/>
+            </a:schemeClr>
+          </a:solidFill>
+          <a:ln>
+            <a:noFill/>
+          </a:ln>
+          <a:effectLst>
+            <a:outerShdw blurRad="50800" dist="38100" dir="16200000" rotWithShape="0">
+              <a:prstClr val="black">
+                <a:alpha val="40000"/>
+              </a:prstClr>
+            </a:outerShdw>
+          </a:effectLst>
+        </p:spPr>
+        <p:style>
+          <a:lnRef idx="2">
+            <a:schemeClr val="accent1">
+              <a:shade val="50000"/>
+            </a:schemeClr>
+          </a:lnRef>
+          <a:fillRef idx="1">
+            <a:schemeClr val="accent1"/>
+          </a:fillRef>
+          <a:effectRef idx="0">
+            <a:schemeClr val="accent1"/>
+          </a:effectRef>
+          <a:fontRef idx="minor">
+            <a:schemeClr val="lt1"/>
+          </a:fontRef>
+        </p:style>
+        <p:txBody>
+          <a:bodyPr rtlCol="0" anchor="ctr"/>
+          <a:lstStyle/>
+          <a:p>
+            <a:pPr algn="ctr"/>
+            <a:endParaRPr lang="en-US"/>
+          </a:p>
+        </p:txBody>
+      </p:sp>
+      <p:sp>
+        <p:nvSpPr>
+          <p:cNvPr id="14" name="Oval 13"/>
+          <p:cNvSpPr/>
+          <p:nvPr/>
+        </p:nvSpPr>
+        <p:spPr>
+          <a:xfrm>
+            <a:off x="612647" y="815059"/>
+            <a:ext cx="530351" cy="477770"/>
+          </a:xfrm>
+          <a:prstGeom prst="ellipse">
+            <a:avLst/>
+          </a:prstGeom>
+          <a:solidFill>
+            <a:schemeClr val="bg1"/>
+          </a:solidFill>
+          <a:ln>
+            <a:noFill/>
+          </a:ln>
+        </p:spPr>
+        <p:style>
+          <a:lnRef idx="2">
+            <a:schemeClr val="accent1">
+              <a:shade val="50000"/>
+            </a:schemeClr>
+          </a:lnRef>
+          <a:fillRef idx="1">
+            <a:schemeClr val="accent1"/>
+          </a:fillRef>
+          <a:effectRef idx="0">
+            <a:schemeClr val="accent1"/>
+          </a:effectRef>
+          <a:fontRef idx="minor">
+            <a:schemeClr val="lt1"/>
+          </a:fontRef>
+        </p:style>
+        <p:txBody>
+          <a:bodyPr rtlCol="0" anchor="ctr"/>
+          <a:lstStyle/>
+          <a:p>
+            <a:pPr algn="ctr"/>
+            <a:endParaRPr lang="en-US"/>
+          </a:p>
+        </p:txBody>
+      </p:sp>
+      <p:sp>
+        <p:nvSpPr>
+          <p:cNvPr id="16" name="Oval 15"/>
+          <p:cNvSpPr/>
+          <p:nvPr/>
+        </p:nvSpPr>
+        <p:spPr>
+          <a:xfrm>
+            <a:off x="2612135" y="812380"/>
+            <a:ext cx="530351" cy="477770"/>
+          </a:xfrm>
+          <a:prstGeom prst="ellipse">
+            <a:avLst/>
+          </a:prstGeom>
+          <a:solidFill>
+            <a:schemeClr val="bg1"/>
+          </a:solidFill>
+          <a:ln>
+            <a:noFill/>
+          </a:ln>
+        </p:spPr>
+        <p:style>
+          <a:lnRef idx="2">
+            <a:schemeClr val="accent1">
+              <a:shade val="50000"/>
+            </a:schemeClr>
+          </a:lnRef>
+          <a:fillRef idx="1">
+            <a:schemeClr val="accent1"/>
+          </a:fillRef>
+          <a:effectRef idx="0">
+            <a:schemeClr val="accent1"/>
+          </a:effectRef>
+          <a:fontRef idx="minor">
+            <a:schemeClr val="lt1"/>
+          </a:fontRef>
+        </p:style>
+        <p:txBody>
+          <a:bodyPr rtlCol="0" anchor="ctr"/>
+          <a:lstStyle/>
+          <a:p>
+            <a:pPr algn="ctr"/>
+            <a:endParaRPr lang="en-US"/>
+          </a:p>
+        </p:txBody>
+      </p:sp>
+      <p:sp>
+        <p:nvSpPr>
+          <p:cNvPr id="17" name="Oval 16"/>
+          <p:cNvSpPr/>
+          <p:nvPr/>
+        </p:nvSpPr>
+        <p:spPr>
+          <a:xfrm>
+            <a:off x="4451573" y="820332"/>
+            <a:ext cx="530351" cy="477770"/>
+          </a:xfrm>
+          <a:prstGeom prst="ellipse">
+            <a:avLst/>
+          </a:prstGeom>
+          <a:solidFill>
+            <a:schemeClr val="bg1"/>
+          </a:solidFill>
+          <a:ln>
+            <a:noFill/>
+          </a:ln>
+        </p:spPr>
+        <p:style>
+          <a:lnRef idx="2">
+            <a:schemeClr val="accent1">
+              <a:shade val="50000"/>
+            </a:schemeClr>
+          </a:lnRef>
+          <a:fillRef idx="1">
+            <a:schemeClr val="accent1"/>
+          </a:fillRef>
+          <a:effectRef idx="0">
+            <a:schemeClr val="accent1"/>
+          </a:effectRef>
+          <a:fontRef idx="minor">
+            <a:schemeClr val="lt1"/>
+          </a:fontRef>
+        </p:style>
+        <p:txBody>
+          <a:bodyPr rtlCol="0" anchor="ctr"/>
+          <a:lstStyle/>
+          <a:p>
+            <a:pPr algn="ctr"/>
+            <a:endParaRPr lang="en-US"/>
+          </a:p>
+        </p:txBody>
+      </p:sp>
+      <p:sp>
+        <p:nvSpPr>
+          <p:cNvPr id="18" name="Oval 17"/>
+          <p:cNvSpPr/>
+          <p:nvPr/>
+        </p:nvSpPr>
+        <p:spPr>
+          <a:xfrm>
+            <a:off x="6185885" y="812380"/>
+            <a:ext cx="530351" cy="477770"/>
+          </a:xfrm>
+          <a:prstGeom prst="ellipse">
+            <a:avLst/>
+          </a:prstGeom>
+          <a:solidFill>
+            <a:schemeClr val="bg1"/>
+          </a:solidFill>
+          <a:ln>
+            <a:noFill/>
+          </a:ln>
+        </p:spPr>
+        <p:style>
+          <a:lnRef idx="2">
+            <a:schemeClr val="accent1">
+              <a:shade val="50000"/>
+            </a:schemeClr>
+          </a:lnRef>
+          <a:fillRef idx="1">
+            <a:schemeClr val="accent1"/>
+          </a:fillRef>
+          <a:effectRef idx="0">
+            <a:schemeClr val="accent1"/>
+          </a:effectRef>
+          <a:fontRef idx="minor">
+            <a:schemeClr val="lt1"/>
+          </a:fontRef>
+        </p:style>
+        <p:txBody>
+          <a:bodyPr rtlCol="0" anchor="ctr"/>
+          <a:lstStyle/>
+          <a:p>
+            <a:pPr algn="ctr"/>
+            <a:endParaRPr lang="en-US"/>
+          </a:p>
+        </p:txBody>
+      </p:sp>
+      <p:sp>
+        <p:nvSpPr>
+          <p:cNvPr id="15" name="TextBox 14"/>
+          <p:cNvSpPr txBox="1"/>
+          <p:nvPr/>
+        </p:nvSpPr>
+        <p:spPr>
+          <a:xfrm>
+            <a:off x="1929352" y="10253029"/>
+            <a:ext cx="3493008" cy="584775"/>
+          </a:xfrm>
+          <a:prstGeom prst="rect">
+            <a:avLst/>
+          </a:prstGeom>
+          <a:noFill/>
+        </p:spPr>
+        <p:txBody>
+          <a:bodyPr wrap="square" rtlCol="0">
+            <a:spAutoFit/>
+          </a:bodyPr>
+          <a:lstStyle/>
+          <a:p>
+            <a:pPr algn="ctr"/>
+            <a:r>
+              <a:rPr lang="en-US" sz="3200" dirty="0" smtClean="0">
+                <a:solidFill>
+                  <a:schemeClr val="bg1"/>
+                </a:solidFill>
+              </a:rPr>
+              <a:t>New</a:t>
+            </a:r>
+            <a:endParaRPr lang="en-US" sz="3200" dirty="0">
+              <a:solidFill>
+                <a:schemeClr val="bg1"/>
+              </a:solidFill>
+            </a:endParaRPr>
+          </a:p>
+        </p:txBody>
+      </p:sp>
+    </p:spTree>
+    <p:extLst>
+      <p:ext uri="{BB962C8B-B14F-4D97-AF65-F5344CB8AC3E}">
+        <p14:creationId xmlns:p14="http://schemas.microsoft.com/office/powerpoint/2010/main" val="3511267396"/>
+      </p:ext>
+    </p:extLst>
+  </p:cSld>
+  <p:clrMapOvr>
+    <a:masterClrMapping/>
+  </p:clrMapOvr>
+</p:sld>
+</file>
+
+<file path=ppt/slides/slide3.xml><?xml version="1.0" encoding="utf-8"?>
+<p:sld xmlns:a="http://schemas.openxmlformats.org/drawingml/2006/main" xmlns:r="http://schemas.openxmlformats.org/officeDocument/2006/relationships" xmlns:p="http://schemas.openxmlformats.org/presentationml/2006/main">
+  <p:cSld>
+    <p:spTree>
+      <p:nvGrpSpPr>
+        <p:cNvPr id="1" name=""/>
+        <p:cNvGrpSpPr/>
+        <p:nvPr/>
+      </p:nvGrpSpPr>
+      <p:grpSpPr>
+        <a:xfrm>
+          <a:off x="0" y="0"/>
+          <a:ext cx="0" cy="0"/>
+          <a:chOff x="0" y="0"/>
+          <a:chExt cx="0" cy="0"/>
+        </a:xfrm>
+      </p:grpSpPr>
+      <p:pic>
+        <p:nvPicPr>
+          <p:cNvPr id="1026" name="Picture 2" descr="google-maps-main.png (640×1136)"/>
+          <p:cNvPicPr>
+            <a:picLocks noChangeAspect="1" noChangeArrowheads="1"/>
+          </p:cNvPicPr>
+          <p:nvPr/>
+        </p:nvPicPr>
+        <p:blipFill rotWithShape="1">
+          <a:blip r:embed="rId2">
+            <a:extLst>
+              <a:ext uri="{28A0092B-C50C-407E-A947-70E740481C1C}">
+                <a14:useLocalDpi xmlns:a14="http://schemas.microsoft.com/office/drawing/2010/main" val="0"/>
+              </a:ext>
+            </a:extLst>
+          </a:blip>
+          <a:srcRect t="46123" b="4642"/>
+          <a:stretch/>
+        </p:blipFill>
+        <p:spPr bwMode="auto">
+          <a:xfrm>
+            <a:off x="0" y="1589068"/>
+            <a:ext cx="7351713" cy="6424758"/>
+          </a:xfrm>
+          <a:prstGeom prst="rect">
+            <a:avLst/>
+          </a:prstGeom>
+          <a:noFill/>
+          <a:extLst>
+            <a:ext uri="{909E8E84-426E-40DD-AFC4-6F175D3DCCD1}">
+              <a14:hiddenFill xmlns:a14="http://schemas.microsoft.com/office/drawing/2010/main">
+                <a:solidFill>
+                  <a:srgbClr val="FFFFFF"/>
+                </a:solidFill>
+              </a14:hiddenFill>
+            </a:ext>
+          </a:extLst>
+        </p:spPr>
+      </p:pic>
+      <p:sp>
+        <p:nvSpPr>
+          <p:cNvPr id="5" name="Rectangle 4"/>
+          <p:cNvSpPr/>
+          <p:nvPr/>
+        </p:nvSpPr>
+        <p:spPr>
+          <a:xfrm>
+            <a:off x="1" y="0"/>
+            <a:ext cx="7351712" cy="1572768"/>
+          </a:xfrm>
+          <a:prstGeom prst="rect">
+            <a:avLst/>
+          </a:prstGeom>
+          <a:solidFill>
+            <a:schemeClr val="accent6">
+              <a:lumMod val="60000"/>
+              <a:lumOff val="40000"/>
+            </a:schemeClr>
+          </a:solidFill>
+          <a:ln>
+            <a:noFill/>
+          </a:ln>
+          <a:effectLst>
+            <a:outerShdw blurRad="50800" dist="38100" dir="5400000" algn="t" rotWithShape="0">
+              <a:prstClr val="black">
+                <a:alpha val="40000"/>
+              </a:prstClr>
+            </a:outerShdw>
+          </a:effectLst>
+        </p:spPr>
+        <p:style>
+          <a:lnRef idx="2">
+            <a:schemeClr val="accent1">
+              <a:shade val="50000"/>
+            </a:schemeClr>
+          </a:lnRef>
+          <a:fillRef idx="1">
+            <a:schemeClr val="accent1"/>
+          </a:fillRef>
+          <a:effectRef idx="0">
+            <a:schemeClr val="accent1"/>
+          </a:effectRef>
+          <a:fontRef idx="minor">
+            <a:schemeClr val="lt1"/>
+          </a:fontRef>
+        </p:style>
+        <p:txBody>
+          <a:bodyPr rtlCol="0" anchor="t"/>
+          <a:lstStyle/>
+          <a:p>
+            <a:r>
+              <a:rPr lang="en-US" sz="3200" dirty="0" smtClean="0"/>
+              <a:t> Restrooms</a:t>
+            </a:r>
+            <a:endParaRPr lang="en-US" sz="3200" dirty="0"/>
+          </a:p>
+        </p:txBody>
+      </p:sp>
+      <p:sp>
+        <p:nvSpPr>
+          <p:cNvPr id="10" name="Rectangle 9"/>
+          <p:cNvSpPr/>
+          <p:nvPr/>
+        </p:nvSpPr>
+        <p:spPr>
+          <a:xfrm>
+            <a:off x="0" y="1444355"/>
+            <a:ext cx="7351714" cy="144714"/>
+          </a:xfrm>
+          <a:prstGeom prst="rect">
+            <a:avLst/>
+          </a:prstGeom>
+          <a:solidFill>
+            <a:schemeClr val="bg2"/>
+          </a:solidFill>
+          <a:ln>
+            <a:noFill/>
+          </a:ln>
+        </p:spPr>
+        <p:style>
+          <a:lnRef idx="2">
+            <a:schemeClr val="accent1">
+              <a:shade val="50000"/>
+            </a:schemeClr>
+          </a:lnRef>
+          <a:fillRef idx="1">
+            <a:schemeClr val="accent1"/>
+          </a:fillRef>
+          <a:effectRef idx="0">
+            <a:schemeClr val="accent1"/>
+          </a:effectRef>
+          <a:fontRef idx="minor">
+            <a:schemeClr val="lt1"/>
+          </a:fontRef>
+        </p:style>
+        <p:txBody>
+          <a:bodyPr rtlCol="0" anchor="ctr"/>
+          <a:lstStyle/>
+          <a:p>
+            <a:pPr algn="ctr"/>
+            <a:endParaRPr lang="en-US"/>
+          </a:p>
+        </p:txBody>
+      </p:sp>
+      <p:sp>
+        <p:nvSpPr>
+          <p:cNvPr id="12" name="Rectangle 11"/>
+          <p:cNvSpPr/>
+          <p:nvPr/>
+        </p:nvSpPr>
+        <p:spPr>
+          <a:xfrm flipV="1">
+            <a:off x="-1" y="1444354"/>
+            <a:ext cx="1755649" cy="144714"/>
+          </a:xfrm>
+          <a:prstGeom prst="rect">
+            <a:avLst/>
+          </a:prstGeom>
+          <a:solidFill>
+            <a:schemeClr val="bg1"/>
+          </a:solidFill>
+          <a:ln>
+            <a:noFill/>
+          </a:ln>
+        </p:spPr>
+        <p:style>
+          <a:lnRef idx="2">
+            <a:schemeClr val="accent1">
+              <a:shade val="50000"/>
+            </a:schemeClr>
+          </a:lnRef>
+          <a:fillRef idx="1">
+            <a:schemeClr val="accent1"/>
+          </a:fillRef>
+          <a:effectRef idx="0">
+            <a:schemeClr val="accent1"/>
+          </a:effectRef>
+          <a:fontRef idx="minor">
+            <a:schemeClr val="lt1"/>
+          </a:fontRef>
+        </p:style>
+        <p:txBody>
+          <a:bodyPr rtlCol="0" anchor="ctr"/>
+          <a:lstStyle/>
+          <a:p>
+            <a:pPr algn="ctr"/>
+            <a:endParaRPr lang="en-US"/>
+          </a:p>
+        </p:txBody>
+      </p:sp>
+      <p:sp>
+        <p:nvSpPr>
+          <p:cNvPr id="13" name="Rectangle 12"/>
+          <p:cNvSpPr/>
+          <p:nvPr/>
+        </p:nvSpPr>
+        <p:spPr>
+          <a:xfrm>
+            <a:off x="1" y="4193967"/>
+            <a:ext cx="7351712" cy="6699527"/>
+          </a:xfrm>
+          <a:prstGeom prst="rect">
+            <a:avLst/>
+          </a:prstGeom>
+          <a:solidFill>
+            <a:schemeClr val="bg1"/>
+          </a:solidFill>
+          <a:ln>
+            <a:noFill/>
+          </a:ln>
+        </p:spPr>
+        <p:style>
+          <a:lnRef idx="2">
+            <a:schemeClr val="accent1">
+              <a:shade val="50000"/>
+            </a:schemeClr>
+          </a:lnRef>
+          <a:fillRef idx="1">
+            <a:schemeClr val="accent1"/>
+          </a:fillRef>
+          <a:effectRef idx="0">
+            <a:schemeClr val="accent1"/>
+          </a:effectRef>
+          <a:fontRef idx="minor">
+            <a:schemeClr val="lt1"/>
+          </a:fontRef>
+        </p:style>
+        <p:txBody>
+          <a:bodyPr rtlCol="0" anchor="ctr"/>
+          <a:lstStyle/>
+          <a:p>
+            <a:pPr algn="ctr"/>
+            <a:endParaRPr lang="en-US" dirty="0">
+              <a:solidFill>
+                <a:schemeClr val="accent6">
+                  <a:lumMod val="60000"/>
+                  <a:lumOff val="40000"/>
+                </a:schemeClr>
+              </a:solidFill>
+            </a:endParaRPr>
+          </a:p>
+        </p:txBody>
+      </p:sp>
+      <p:sp>
+        <p:nvSpPr>
+          <p:cNvPr id="6" name="Rectangle 5"/>
+          <p:cNvSpPr/>
+          <p:nvPr/>
+        </p:nvSpPr>
+        <p:spPr>
+          <a:xfrm>
+            <a:off x="-1" y="3716300"/>
+            <a:ext cx="7351712" cy="513044"/>
+          </a:xfrm>
+          <a:prstGeom prst="rect">
+            <a:avLst/>
+          </a:prstGeom>
+          <a:solidFill>
+            <a:schemeClr val="accent6">
+              <a:lumMod val="60000"/>
+              <a:lumOff val="40000"/>
+            </a:schemeClr>
+          </a:solidFill>
+          <a:ln>
+            <a:noFill/>
+          </a:ln>
+          <a:effectLst>
+            <a:outerShdw blurRad="50800" dist="38100" dir="16200000" rotWithShape="0">
+              <a:prstClr val="black">
+                <a:alpha val="40000"/>
+              </a:prstClr>
+            </a:outerShdw>
+          </a:effectLst>
+        </p:spPr>
+        <p:style>
+          <a:lnRef idx="2">
+            <a:schemeClr val="accent1">
+              <a:shade val="50000"/>
+            </a:schemeClr>
+          </a:lnRef>
+          <a:fillRef idx="1">
+            <a:schemeClr val="accent1"/>
+          </a:fillRef>
+          <a:effectRef idx="0">
+            <a:schemeClr val="accent1"/>
+          </a:effectRef>
+          <a:fontRef idx="minor">
+            <a:schemeClr val="lt1"/>
+          </a:fontRef>
+        </p:style>
+        <p:txBody>
+          <a:bodyPr rtlCol="0" anchor="ctr"/>
+          <a:lstStyle/>
+          <a:p>
+            <a:pPr algn="ctr"/>
+            <a:endParaRPr lang="en-US"/>
+          </a:p>
+        </p:txBody>
+      </p:sp>
+      <p:sp>
+        <p:nvSpPr>
+          <p:cNvPr id="14" name="Oval 13"/>
+          <p:cNvSpPr/>
+          <p:nvPr/>
+        </p:nvSpPr>
+        <p:spPr>
+          <a:xfrm>
+            <a:off x="612647" y="815059"/>
+            <a:ext cx="530351" cy="477770"/>
+          </a:xfrm>
+          <a:prstGeom prst="ellipse">
+            <a:avLst/>
+          </a:prstGeom>
+          <a:solidFill>
+            <a:schemeClr val="bg1"/>
+          </a:solidFill>
+          <a:ln>
+            <a:noFill/>
+          </a:ln>
+        </p:spPr>
+        <p:style>
+          <a:lnRef idx="2">
+            <a:schemeClr val="accent1">
+              <a:shade val="50000"/>
+            </a:schemeClr>
+          </a:lnRef>
+          <a:fillRef idx="1">
+            <a:schemeClr val="accent1"/>
+          </a:fillRef>
+          <a:effectRef idx="0">
+            <a:schemeClr val="accent1"/>
+          </a:effectRef>
+          <a:fontRef idx="minor">
+            <a:schemeClr val="lt1"/>
+          </a:fontRef>
+        </p:style>
+        <p:txBody>
+          <a:bodyPr rtlCol="0" anchor="ctr"/>
+          <a:lstStyle/>
+          <a:p>
+            <a:pPr algn="ctr"/>
+            <a:endParaRPr lang="en-US"/>
+          </a:p>
+        </p:txBody>
+      </p:sp>
+      <p:sp>
+        <p:nvSpPr>
+          <p:cNvPr id="16" name="Oval 15"/>
+          <p:cNvSpPr/>
+          <p:nvPr/>
+        </p:nvSpPr>
+        <p:spPr>
+          <a:xfrm>
+            <a:off x="2612135" y="812380"/>
+            <a:ext cx="530351" cy="477770"/>
+          </a:xfrm>
+          <a:prstGeom prst="ellipse">
+            <a:avLst/>
+          </a:prstGeom>
+          <a:solidFill>
+            <a:schemeClr val="bg1"/>
+          </a:solidFill>
+          <a:ln>
+            <a:noFill/>
+          </a:ln>
+        </p:spPr>
+        <p:style>
+          <a:lnRef idx="2">
+            <a:schemeClr val="accent1">
+              <a:shade val="50000"/>
+            </a:schemeClr>
+          </a:lnRef>
+          <a:fillRef idx="1">
+            <a:schemeClr val="accent1"/>
+          </a:fillRef>
+          <a:effectRef idx="0">
+            <a:schemeClr val="accent1"/>
+          </a:effectRef>
+          <a:fontRef idx="minor">
+            <a:schemeClr val="lt1"/>
+          </a:fontRef>
+        </p:style>
+        <p:txBody>
+          <a:bodyPr rtlCol="0" anchor="ctr"/>
+          <a:lstStyle/>
+          <a:p>
+            <a:pPr algn="ctr"/>
+            <a:endParaRPr lang="en-US"/>
+          </a:p>
+        </p:txBody>
+      </p:sp>
+      <p:sp>
+        <p:nvSpPr>
+          <p:cNvPr id="17" name="Oval 16"/>
+          <p:cNvSpPr/>
+          <p:nvPr/>
+        </p:nvSpPr>
+        <p:spPr>
+          <a:xfrm>
+            <a:off x="4451573" y="820332"/>
+            <a:ext cx="530351" cy="477770"/>
+          </a:xfrm>
+          <a:prstGeom prst="ellipse">
+            <a:avLst/>
+          </a:prstGeom>
+          <a:solidFill>
+            <a:schemeClr val="bg1"/>
+          </a:solidFill>
+          <a:ln>
+            <a:noFill/>
+          </a:ln>
+        </p:spPr>
+        <p:style>
+          <a:lnRef idx="2">
+            <a:schemeClr val="accent1">
+              <a:shade val="50000"/>
+            </a:schemeClr>
+          </a:lnRef>
+          <a:fillRef idx="1">
+            <a:schemeClr val="accent1"/>
+          </a:fillRef>
+          <a:effectRef idx="0">
+            <a:schemeClr val="accent1"/>
+          </a:effectRef>
+          <a:fontRef idx="minor">
+            <a:schemeClr val="lt1"/>
+          </a:fontRef>
+        </p:style>
+        <p:txBody>
+          <a:bodyPr rtlCol="0" anchor="ctr"/>
+          <a:lstStyle/>
+          <a:p>
+            <a:pPr algn="ctr"/>
+            <a:endParaRPr lang="en-US"/>
+          </a:p>
+        </p:txBody>
+      </p:sp>
+      <p:sp>
+        <p:nvSpPr>
+          <p:cNvPr id="18" name="Oval 17"/>
+          <p:cNvSpPr/>
+          <p:nvPr/>
+        </p:nvSpPr>
+        <p:spPr>
+          <a:xfrm>
+            <a:off x="6185885" y="812380"/>
+            <a:ext cx="530351" cy="477770"/>
+          </a:xfrm>
+          <a:prstGeom prst="ellipse">
+            <a:avLst/>
+          </a:prstGeom>
+          <a:solidFill>
+            <a:schemeClr val="bg1"/>
+          </a:solidFill>
+          <a:ln>
+            <a:noFill/>
+          </a:ln>
+        </p:spPr>
+        <p:style>
+          <a:lnRef idx="2">
+            <a:schemeClr val="accent1">
+              <a:shade val="50000"/>
+            </a:schemeClr>
+          </a:lnRef>
+          <a:fillRef idx="1">
+            <a:schemeClr val="accent1"/>
+          </a:fillRef>
+          <a:effectRef idx="0">
+            <a:schemeClr val="accent1"/>
+          </a:effectRef>
+          <a:fontRef idx="minor">
+            <a:schemeClr val="lt1"/>
+          </a:fontRef>
+        </p:style>
+        <p:txBody>
+          <a:bodyPr rtlCol="0" anchor="ctr"/>
+          <a:lstStyle/>
+          <a:p>
+            <a:pPr algn="ctr"/>
+            <a:endParaRPr lang="en-US"/>
+          </a:p>
+        </p:txBody>
+      </p:sp>
+      <p:sp>
+        <p:nvSpPr>
+          <p:cNvPr id="15" name="TextBox 14"/>
+          <p:cNvSpPr txBox="1"/>
+          <p:nvPr/>
+        </p:nvSpPr>
+        <p:spPr>
+          <a:xfrm>
+            <a:off x="46673" y="3716300"/>
+            <a:ext cx="3493008" cy="461665"/>
+          </a:xfrm>
+          <a:prstGeom prst="rect">
+            <a:avLst/>
+          </a:prstGeom>
+          <a:noFill/>
+        </p:spPr>
+        <p:txBody>
+          <a:bodyPr wrap="square" rtlCol="0">
+            <a:spAutoFit/>
+          </a:bodyPr>
+          <a:lstStyle/>
+          <a:p>
+            <a:r>
+              <a:rPr lang="en-US" sz="2400" dirty="0" smtClean="0">
+                <a:solidFill>
+                  <a:schemeClr val="bg1"/>
+                </a:solidFill>
+              </a:rPr>
+              <a:t>Add restroom</a:t>
+            </a:r>
+            <a:endParaRPr lang="en-US" sz="2400" dirty="0">
+              <a:solidFill>
+                <a:schemeClr val="bg1"/>
+              </a:solidFill>
+            </a:endParaRPr>
+          </a:p>
+        </p:txBody>
+      </p:sp>
+      <p:sp>
+        <p:nvSpPr>
+          <p:cNvPr id="132" name="Teardrop 131"/>
+          <p:cNvSpPr/>
+          <p:nvPr/>
+        </p:nvSpPr>
+        <p:spPr>
+          <a:xfrm rot="8076170">
+            <a:off x="2426073" y="2442579"/>
+            <a:ext cx="372125" cy="355849"/>
+          </a:xfrm>
+          <a:prstGeom prst="teardrop">
+            <a:avLst>
+              <a:gd name="adj" fmla="val 149987"/>
+            </a:avLst>
+          </a:prstGeom>
+          <a:solidFill>
+            <a:srgbClr val="FF0000"/>
+          </a:solidFill>
+          <a:ln>
+            <a:noFill/>
+          </a:ln>
+        </p:spPr>
+        <p:style>
+          <a:lnRef idx="2">
+            <a:schemeClr val="accent1">
+              <a:shade val="50000"/>
+            </a:schemeClr>
+          </a:lnRef>
+          <a:fillRef idx="1">
+            <a:schemeClr val="accent1"/>
+          </a:fillRef>
+          <a:effectRef idx="0">
+            <a:schemeClr val="accent1"/>
+          </a:effectRef>
+          <a:fontRef idx="minor">
+            <a:schemeClr val="lt1"/>
+          </a:fontRef>
+        </p:style>
+        <p:txBody>
+          <a:bodyPr rtlCol="0" anchor="ctr"/>
+          <a:lstStyle/>
+          <a:p>
+            <a:pPr algn="ctr"/>
+            <a:endParaRPr lang="en-US" dirty="0">
+              <a:solidFill>
+                <a:srgbClr val="FF0000"/>
+              </a:solidFill>
+            </a:endParaRPr>
+          </a:p>
+        </p:txBody>
+      </p:sp>
+      <p:cxnSp>
+        <p:nvCxnSpPr>
+          <p:cNvPr id="134" name="Straight Connector 133"/>
+          <p:cNvCxnSpPr/>
+          <p:nvPr/>
+        </p:nvCxnSpPr>
+        <p:spPr>
+          <a:xfrm flipV="1">
+            <a:off x="-1" y="4202096"/>
+            <a:ext cx="7351712" cy="19119"/>
+          </a:xfrm>
+          <a:prstGeom prst="line">
+            <a:avLst/>
+          </a:prstGeom>
+          <a:ln w="38100">
+            <a:solidFill>
+              <a:schemeClr val="accent6">
+                <a:lumMod val="60000"/>
+                <a:lumOff val="40000"/>
+              </a:schemeClr>
+            </a:solidFill>
+          </a:ln>
+        </p:spPr>
+        <p:style>
+          <a:lnRef idx="1">
+            <a:schemeClr val="accent1"/>
+          </a:lnRef>
+          <a:fillRef idx="0">
+            <a:schemeClr val="accent1"/>
+          </a:fillRef>
+          <a:effectRef idx="0">
+            <a:schemeClr val="accent1"/>
+          </a:effectRef>
+          <a:fontRef idx="minor">
+            <a:schemeClr val="tx1"/>
+          </a:fontRef>
+        </p:style>
+      </p:cxnSp>
+      <p:sp>
+        <p:nvSpPr>
+          <p:cNvPr id="1039" name="Rectangle 1038"/>
+          <p:cNvSpPr/>
+          <p:nvPr/>
+        </p:nvSpPr>
+        <p:spPr>
+          <a:xfrm>
+            <a:off x="340952" y="9356216"/>
+            <a:ext cx="6669802" cy="1262508"/>
+          </a:xfrm>
+          <a:prstGeom prst="rect">
+            <a:avLst/>
+          </a:prstGeom>
+          <a:solidFill>
+            <a:schemeClr val="bg1">
+              <a:lumMod val="95000"/>
+            </a:schemeClr>
+          </a:solidFill>
+          <a:ln>
+            <a:noFill/>
+          </a:ln>
+        </p:spPr>
+        <p:style>
+          <a:lnRef idx="2">
+            <a:schemeClr val="accent1">
+              <a:shade val="50000"/>
+            </a:schemeClr>
+          </a:lnRef>
+          <a:fillRef idx="1">
+            <a:schemeClr val="accent1"/>
+          </a:fillRef>
+          <a:effectRef idx="0">
+            <a:schemeClr val="accent1"/>
+          </a:effectRef>
+          <a:fontRef idx="minor">
+            <a:schemeClr val="lt1"/>
+          </a:fontRef>
+        </p:style>
+        <p:txBody>
+          <a:bodyPr rtlCol="0" anchor="t"/>
+          <a:lstStyle/>
+          <a:p>
+            <a:r>
+              <a:rPr lang="en-US" sz="2800" dirty="0" smtClean="0">
+                <a:solidFill>
+                  <a:schemeClr val="tx1">
+                    <a:lumMod val="50000"/>
+                    <a:lumOff val="50000"/>
+                  </a:schemeClr>
+                </a:solidFill>
+              </a:rPr>
+              <a:t>Comments</a:t>
+            </a:r>
+            <a:endParaRPr lang="en-US" sz="2800" dirty="0">
+              <a:solidFill>
+                <a:schemeClr val="tx1">
+                  <a:lumMod val="50000"/>
+                  <a:lumOff val="50000"/>
+                </a:schemeClr>
+              </a:solidFill>
+            </a:endParaRPr>
+          </a:p>
+        </p:txBody>
+      </p:sp>
+      <p:graphicFrame>
+        <p:nvGraphicFramePr>
+          <p:cNvPr id="1040" name="Table 1039"/>
+          <p:cNvGraphicFramePr>
+            <a:graphicFrameLocks noGrp="1"/>
+          </p:cNvGraphicFramePr>
+          <p:nvPr>
+            <p:extLst>
+              <p:ext uri="{D42A27DB-BD31-4B8C-83A1-F6EECF244321}">
+                <p14:modId xmlns:p14="http://schemas.microsoft.com/office/powerpoint/2010/main" val="2404036824"/>
+              </p:ext>
+            </p:extLst>
+          </p:nvPr>
+        </p:nvGraphicFramePr>
+        <p:xfrm>
+          <a:off x="340953" y="4496762"/>
+          <a:ext cx="6669801" cy="703149"/>
+        </p:xfrm>
+        <a:graphic>
+          <a:graphicData uri="http://schemas.openxmlformats.org/drawingml/2006/table">
+            <a:tbl>
+              <a:tblPr firstRow="1" bandRow="1">
+                <a:tableStyleId>{2D5ABB26-0587-4C30-8999-92F81FD0307C}</a:tableStyleId>
+              </a:tblPr>
+              <a:tblGrid>
+                <a:gridCol w="6669801"/>
+              </a:tblGrid>
+              <a:tr h="703149">
+                <a:tc>
+                  <a:txBody>
+                    <a:bodyPr/>
+                    <a:lstStyle/>
+                    <a:p>
+                      <a:r>
+                        <a:rPr lang="en-US" sz="2800" dirty="0" smtClean="0">
+                          <a:solidFill>
+                            <a:schemeClr val="bg1">
+                              <a:lumMod val="50000"/>
+                            </a:schemeClr>
+                          </a:solidFill>
+                        </a:rPr>
+                        <a:t>Name</a:t>
+                      </a:r>
+                      <a:endParaRPr lang="en-US" sz="2800" dirty="0">
+                        <a:solidFill>
+                          <a:schemeClr val="bg1">
+                            <a:lumMod val="50000"/>
+                          </a:schemeClr>
+                        </a:solidFill>
+                      </a:endParaRPr>
+                    </a:p>
+                  </a:txBody>
+                  <a:tcPr anchor="ctr">
+                    <a:lnB w="12700" cap="flat" cmpd="sng" algn="ctr">
+                      <a:solidFill>
+                        <a:schemeClr val="tx1"/>
+                      </a:solidFill>
+                      <a:prstDash val="solid"/>
+                      <a:round/>
+                      <a:headEnd type="none" w="med" len="med"/>
+                      <a:tailEnd type="none" w="med" len="med"/>
+                    </a:lnB>
+                    <a:solidFill>
+                      <a:schemeClr val="bg1">
+                        <a:lumMod val="95000"/>
+                      </a:schemeClr>
+                    </a:solidFill>
+                  </a:tcPr>
+                </a:tc>
+              </a:tr>
+            </a:tbl>
+          </a:graphicData>
+        </a:graphic>
+      </p:graphicFrame>
+      <p:graphicFrame>
+        <p:nvGraphicFramePr>
+          <p:cNvPr id="3" name="Table 2"/>
+          <p:cNvGraphicFramePr>
+            <a:graphicFrameLocks noGrp="1"/>
+          </p:cNvGraphicFramePr>
+          <p:nvPr>
+            <p:extLst>
+              <p:ext uri="{D42A27DB-BD31-4B8C-83A1-F6EECF244321}">
+                <p14:modId xmlns:p14="http://schemas.microsoft.com/office/powerpoint/2010/main" val="4199911481"/>
+              </p:ext>
+            </p:extLst>
+          </p:nvPr>
+        </p:nvGraphicFramePr>
+        <p:xfrm>
+          <a:off x="340952" y="5482810"/>
+          <a:ext cx="6669802" cy="3873405"/>
+        </p:xfrm>
+        <a:graphic>
+          <a:graphicData uri="http://schemas.openxmlformats.org/drawingml/2006/table">
+            <a:tbl>
+              <a:tblPr firstRow="1" bandRow="1">
+                <a:tableStyleId>{2D5ABB26-0587-4C30-8999-92F81FD0307C}</a:tableStyleId>
+              </a:tblPr>
+              <a:tblGrid>
+                <a:gridCol w="6669802"/>
+              </a:tblGrid>
+              <a:tr h="774681">
+                <a:tc>
+                  <a:txBody>
+                    <a:bodyPr/>
+                    <a:lstStyle/>
+                    <a:p>
+                      <a:r>
+                        <a:rPr lang="en-US" sz="2800" dirty="0" smtClean="0">
+                          <a:solidFill>
+                            <a:schemeClr val="bg1">
+                              <a:lumMod val="50000"/>
+                            </a:schemeClr>
+                          </a:solidFill>
+                        </a:rPr>
+                        <a:t>Does it exist?</a:t>
+                      </a:r>
+                      <a:endParaRPr lang="en-US" sz="2800" dirty="0">
+                        <a:solidFill>
+                          <a:schemeClr val="bg1">
+                            <a:lumMod val="50000"/>
+                          </a:schemeClr>
+                        </a:solidFill>
+                      </a:endParaRPr>
+                    </a:p>
+                  </a:txBody>
+                  <a:tcPr/>
+                </a:tc>
+              </a:tr>
+              <a:tr h="774681">
+                <a:tc>
+                  <a:txBody>
+                    <a:bodyPr/>
+                    <a:lstStyle/>
+                    <a:p>
+                      <a:r>
+                        <a:rPr lang="en-US" sz="2800" dirty="0" smtClean="0">
+                          <a:solidFill>
+                            <a:schemeClr val="bg1">
+                              <a:lumMod val="50000"/>
+                            </a:schemeClr>
+                          </a:solidFill>
+                        </a:rPr>
+                        <a:t>Disabled stall?</a:t>
+                      </a:r>
+                      <a:endParaRPr lang="en-US" sz="2800" dirty="0">
+                        <a:solidFill>
+                          <a:schemeClr val="bg1">
+                            <a:lumMod val="50000"/>
+                          </a:schemeClr>
+                        </a:solidFill>
+                      </a:endParaRPr>
+                    </a:p>
+                  </a:txBody>
+                  <a:tcPr/>
+                </a:tc>
+              </a:tr>
+              <a:tr h="774681">
+                <a:tc>
+                  <a:txBody>
+                    <a:bodyPr/>
+                    <a:lstStyle/>
+                    <a:p>
+                      <a:r>
+                        <a:rPr lang="en-US" sz="2800" dirty="0" smtClean="0">
+                          <a:solidFill>
+                            <a:schemeClr val="bg1">
+                              <a:lumMod val="50000"/>
+                            </a:schemeClr>
+                          </a:solidFill>
+                        </a:rPr>
+                        <a:t>Number of sinks: ______________________</a:t>
+                      </a:r>
+                      <a:endParaRPr lang="en-US" sz="2800" dirty="0">
+                        <a:solidFill>
+                          <a:schemeClr val="bg1">
+                            <a:lumMod val="50000"/>
+                          </a:schemeClr>
+                        </a:solidFill>
+                      </a:endParaRPr>
+                    </a:p>
+                  </a:txBody>
+                  <a:tcPr/>
+                </a:tc>
+              </a:tr>
+              <a:tr h="774681">
+                <a:tc>
+                  <a:txBody>
+                    <a:bodyPr/>
+                    <a:lstStyle/>
+                    <a:p>
+                      <a:r>
+                        <a:rPr lang="en-US" sz="2800" dirty="0" smtClean="0">
+                          <a:solidFill>
+                            <a:schemeClr val="bg1">
+                              <a:lumMod val="50000"/>
+                            </a:schemeClr>
+                          </a:solidFill>
+                        </a:rPr>
+                        <a:t>Number of flushing units: _______________</a:t>
+                      </a:r>
+                      <a:endParaRPr lang="en-US" sz="2800" dirty="0">
+                        <a:solidFill>
+                          <a:schemeClr val="bg1">
+                            <a:lumMod val="50000"/>
+                          </a:schemeClr>
+                        </a:solidFill>
+                      </a:endParaRPr>
+                    </a:p>
+                  </a:txBody>
+                  <a:tcPr/>
+                </a:tc>
+              </a:tr>
+              <a:tr h="774681">
+                <a:tc>
+                  <a:txBody>
+                    <a:bodyPr/>
+                    <a:lstStyle/>
+                    <a:p>
+                      <a:r>
+                        <a:rPr lang="en-US" sz="2800" dirty="0" smtClean="0">
+                          <a:solidFill>
+                            <a:schemeClr val="bg1">
+                              <a:lumMod val="50000"/>
+                            </a:schemeClr>
+                          </a:solidFill>
+                        </a:rPr>
+                        <a:t>Overall</a:t>
+                      </a:r>
+                      <a:r>
+                        <a:rPr lang="en-US" sz="2800" baseline="0" dirty="0" smtClean="0">
+                          <a:solidFill>
+                            <a:schemeClr val="bg1">
+                              <a:lumMod val="50000"/>
+                            </a:schemeClr>
+                          </a:solidFill>
+                        </a:rPr>
+                        <a:t> rating: </a:t>
+                      </a:r>
+                      <a:endParaRPr lang="en-US" sz="2800" dirty="0">
+                        <a:solidFill>
+                          <a:schemeClr val="bg1">
+                            <a:lumMod val="50000"/>
+                          </a:schemeClr>
+                        </a:solidFill>
+                      </a:endParaRPr>
+                    </a:p>
+                  </a:txBody>
+                  <a:tcPr/>
+                </a:tc>
+              </a:tr>
+            </a:tbl>
+          </a:graphicData>
+        </a:graphic>
+      </p:graphicFrame>
+      <p:sp>
+        <p:nvSpPr>
+          <p:cNvPr id="4" name="Rounded Rectangle 3"/>
+          <p:cNvSpPr/>
+          <p:nvPr/>
+        </p:nvSpPr>
+        <p:spPr>
+          <a:xfrm>
+            <a:off x="3075926" y="5474694"/>
+            <a:ext cx="1766287" cy="512166"/>
+          </a:xfrm>
+          <a:prstGeom prst="roundRect">
+            <a:avLst/>
+          </a:prstGeom>
+          <a:solidFill>
+            <a:schemeClr val="accent6">
+              <a:lumMod val="60000"/>
+              <a:lumOff val="40000"/>
+            </a:schemeClr>
+          </a:solidFill>
+          <a:ln>
+            <a:noFill/>
+          </a:ln>
+        </p:spPr>
+        <p:style>
+          <a:lnRef idx="2">
+            <a:schemeClr val="accent1">
+              <a:shade val="50000"/>
+            </a:schemeClr>
+          </a:lnRef>
+          <a:fillRef idx="1">
+            <a:schemeClr val="accent1"/>
+          </a:fillRef>
+          <a:effectRef idx="0">
+            <a:schemeClr val="accent1"/>
+          </a:effectRef>
+          <a:fontRef idx="minor">
+            <a:schemeClr val="lt1"/>
+          </a:fontRef>
+        </p:style>
+        <p:txBody>
+          <a:bodyPr rtlCol="0" anchor="ctr"/>
+          <a:lstStyle/>
+          <a:p>
+            <a:pPr algn="ctr"/>
+            <a:r>
+              <a:rPr lang="en-US" sz="3200" dirty="0" smtClean="0"/>
+              <a:t>YES</a:t>
+            </a:r>
+            <a:endParaRPr lang="en-US" sz="3200" dirty="0"/>
+          </a:p>
+        </p:txBody>
+      </p:sp>
+      <p:sp>
+        <p:nvSpPr>
+          <p:cNvPr id="20" name="Rounded Rectangle 19"/>
+          <p:cNvSpPr/>
+          <p:nvPr/>
+        </p:nvSpPr>
+        <p:spPr>
+          <a:xfrm>
+            <a:off x="3075925" y="6239152"/>
+            <a:ext cx="1766287" cy="512166"/>
+          </a:xfrm>
+          <a:prstGeom prst="roundRect">
+            <a:avLst/>
+          </a:prstGeom>
+          <a:solidFill>
+            <a:schemeClr val="accent6">
+              <a:lumMod val="60000"/>
+              <a:lumOff val="40000"/>
+            </a:schemeClr>
+          </a:solidFill>
+          <a:ln>
+            <a:noFill/>
+          </a:ln>
+        </p:spPr>
+        <p:style>
+          <a:lnRef idx="2">
+            <a:schemeClr val="accent1">
+              <a:shade val="50000"/>
+            </a:schemeClr>
+          </a:lnRef>
+          <a:fillRef idx="1">
+            <a:schemeClr val="accent1"/>
+          </a:fillRef>
+          <a:effectRef idx="0">
+            <a:schemeClr val="accent1"/>
+          </a:effectRef>
+          <a:fontRef idx="minor">
+            <a:schemeClr val="lt1"/>
+          </a:fontRef>
+        </p:style>
+        <p:txBody>
+          <a:bodyPr rtlCol="0" anchor="ctr"/>
+          <a:lstStyle/>
+          <a:p>
+            <a:pPr algn="ctr"/>
+            <a:r>
+              <a:rPr lang="en-US" sz="3200" dirty="0" smtClean="0"/>
+              <a:t>YES</a:t>
+            </a:r>
+            <a:endParaRPr lang="en-US" sz="3200" dirty="0"/>
+          </a:p>
+        </p:txBody>
+      </p:sp>
+      <p:sp>
+        <p:nvSpPr>
+          <p:cNvPr id="21" name="Rounded Rectangle 20"/>
+          <p:cNvSpPr/>
+          <p:nvPr/>
+        </p:nvSpPr>
+        <p:spPr>
+          <a:xfrm>
+            <a:off x="5162129" y="5474681"/>
+            <a:ext cx="1766287" cy="512166"/>
+          </a:xfrm>
+          <a:prstGeom prst="roundRect">
+            <a:avLst/>
+          </a:prstGeom>
+          <a:noFill/>
+          <a:ln>
+            <a:solidFill>
+              <a:schemeClr val="accent6">
+                <a:lumMod val="60000"/>
+                <a:lumOff val="40000"/>
+              </a:schemeClr>
+            </a:solidFill>
+          </a:ln>
+        </p:spPr>
+        <p:style>
+          <a:lnRef idx="2">
+            <a:schemeClr val="accent1">
+              <a:shade val="50000"/>
+            </a:schemeClr>
+          </a:lnRef>
+          <a:fillRef idx="1">
+            <a:schemeClr val="accent1"/>
+          </a:fillRef>
+          <a:effectRef idx="0">
+            <a:schemeClr val="accent1"/>
+          </a:effectRef>
+          <a:fontRef idx="minor">
+            <a:schemeClr val="lt1"/>
+          </a:fontRef>
+        </p:style>
+        <p:txBody>
+          <a:bodyPr rtlCol="0" anchor="ctr"/>
+          <a:lstStyle/>
+          <a:p>
+            <a:pPr algn="ctr"/>
+            <a:r>
+              <a:rPr lang="en-US" sz="3200" dirty="0" smtClean="0">
+                <a:solidFill>
+                  <a:schemeClr val="accent6">
+                    <a:lumMod val="60000"/>
+                    <a:lumOff val="40000"/>
+                  </a:schemeClr>
+                </a:solidFill>
+              </a:rPr>
+              <a:t>NO</a:t>
+            </a:r>
+            <a:endParaRPr lang="en-US" sz="3200" dirty="0">
+              <a:solidFill>
+                <a:schemeClr val="accent6">
+                  <a:lumMod val="60000"/>
+                  <a:lumOff val="40000"/>
+                </a:schemeClr>
+              </a:solidFill>
+            </a:endParaRPr>
+          </a:p>
+        </p:txBody>
+      </p:sp>
+      <p:sp>
+        <p:nvSpPr>
+          <p:cNvPr id="22" name="Rounded Rectangle 21"/>
+          <p:cNvSpPr/>
+          <p:nvPr/>
+        </p:nvSpPr>
+        <p:spPr>
+          <a:xfrm>
+            <a:off x="5162129" y="6239152"/>
+            <a:ext cx="1766287" cy="512166"/>
+          </a:xfrm>
+          <a:prstGeom prst="roundRect">
+            <a:avLst/>
+          </a:prstGeom>
+          <a:noFill/>
+          <a:ln>
+            <a:solidFill>
+              <a:schemeClr val="accent6">
+                <a:lumMod val="60000"/>
+                <a:lumOff val="40000"/>
+              </a:schemeClr>
+            </a:solidFill>
+          </a:ln>
+        </p:spPr>
+        <p:style>
+          <a:lnRef idx="2">
+            <a:schemeClr val="accent1">
+              <a:shade val="50000"/>
+            </a:schemeClr>
+          </a:lnRef>
+          <a:fillRef idx="1">
+            <a:schemeClr val="accent1"/>
+          </a:fillRef>
+          <a:effectRef idx="0">
+            <a:schemeClr val="accent1"/>
+          </a:effectRef>
+          <a:fontRef idx="minor">
+            <a:schemeClr val="lt1"/>
+          </a:fontRef>
+        </p:style>
+        <p:txBody>
+          <a:bodyPr rtlCol="0" anchor="ctr"/>
+          <a:lstStyle/>
+          <a:p>
+            <a:pPr algn="ctr"/>
+            <a:r>
+              <a:rPr lang="en-US" sz="3200" dirty="0" smtClean="0">
+                <a:solidFill>
+                  <a:schemeClr val="accent6">
+                    <a:lumMod val="60000"/>
+                    <a:lumOff val="40000"/>
+                  </a:schemeClr>
+                </a:solidFill>
+              </a:rPr>
+              <a:t>NO</a:t>
+            </a:r>
+            <a:endParaRPr lang="en-US" sz="3200" dirty="0">
+              <a:solidFill>
+                <a:schemeClr val="accent6">
+                  <a:lumMod val="60000"/>
+                  <a:lumOff val="40000"/>
+                </a:schemeClr>
+              </a:solidFill>
+            </a:endParaRPr>
+          </a:p>
+        </p:txBody>
+      </p:sp>
+      <p:sp>
+        <p:nvSpPr>
+          <p:cNvPr id="7" name="5-Point Star 6"/>
+          <p:cNvSpPr/>
+          <p:nvPr/>
+        </p:nvSpPr>
+        <p:spPr>
+          <a:xfrm>
+            <a:off x="3159839" y="8617689"/>
+            <a:ext cx="533367" cy="517483"/>
+          </a:xfrm>
+          <a:prstGeom prst="star5">
+            <a:avLst/>
+          </a:prstGeom>
+          <a:noFill/>
+          <a:ln w="38100">
+            <a:solidFill>
+              <a:schemeClr val="accent6">
+                <a:lumMod val="60000"/>
+                <a:lumOff val="40000"/>
+              </a:schemeClr>
+            </a:solidFill>
+          </a:ln>
+        </p:spPr>
+        <p:style>
+          <a:lnRef idx="2">
+            <a:schemeClr val="accent1">
+              <a:shade val="50000"/>
+            </a:schemeClr>
+          </a:lnRef>
+          <a:fillRef idx="1">
+            <a:schemeClr val="accent1"/>
+          </a:fillRef>
+          <a:effectRef idx="0">
+            <a:schemeClr val="accent1"/>
+          </a:effectRef>
+          <a:fontRef idx="minor">
+            <a:schemeClr val="lt1"/>
+          </a:fontRef>
+        </p:style>
+        <p:txBody>
+          <a:bodyPr rtlCol="0" anchor="ctr"/>
+          <a:lstStyle/>
+          <a:p>
+            <a:pPr algn="ctr"/>
+            <a:endParaRPr lang="en-US"/>
+          </a:p>
+        </p:txBody>
+      </p:sp>
+      <p:sp>
+        <p:nvSpPr>
+          <p:cNvPr id="24" name="5-Point Star 23"/>
+          <p:cNvSpPr/>
+          <p:nvPr/>
+        </p:nvSpPr>
+        <p:spPr>
+          <a:xfrm>
+            <a:off x="3886111" y="8612122"/>
+            <a:ext cx="533367" cy="517483"/>
+          </a:xfrm>
+          <a:prstGeom prst="star5">
+            <a:avLst/>
+          </a:prstGeom>
+          <a:noFill/>
+          <a:ln w="38100">
+            <a:solidFill>
+              <a:schemeClr val="accent6">
+                <a:lumMod val="60000"/>
+                <a:lumOff val="40000"/>
+              </a:schemeClr>
+            </a:solidFill>
+          </a:ln>
+        </p:spPr>
+        <p:style>
+          <a:lnRef idx="2">
+            <a:schemeClr val="accent1">
+              <a:shade val="50000"/>
+            </a:schemeClr>
+          </a:lnRef>
+          <a:fillRef idx="1">
+            <a:schemeClr val="accent1"/>
+          </a:fillRef>
+          <a:effectRef idx="0">
+            <a:schemeClr val="accent1"/>
+          </a:effectRef>
+          <a:fontRef idx="minor">
+            <a:schemeClr val="lt1"/>
+          </a:fontRef>
+        </p:style>
+        <p:txBody>
+          <a:bodyPr rtlCol="0" anchor="ctr"/>
+          <a:lstStyle/>
+          <a:p>
+            <a:pPr algn="ctr"/>
+            <a:endParaRPr lang="en-US"/>
+          </a:p>
+        </p:txBody>
+      </p:sp>
+      <p:sp>
+        <p:nvSpPr>
+          <p:cNvPr id="25" name="5-Point Star 24"/>
+          <p:cNvSpPr/>
+          <p:nvPr/>
+        </p:nvSpPr>
+        <p:spPr>
+          <a:xfrm>
+            <a:off x="4628762" y="8599899"/>
+            <a:ext cx="533367" cy="517483"/>
+          </a:xfrm>
+          <a:prstGeom prst="star5">
+            <a:avLst/>
+          </a:prstGeom>
+          <a:noFill/>
+          <a:ln w="38100">
+            <a:solidFill>
+              <a:schemeClr val="accent6">
+                <a:lumMod val="60000"/>
+                <a:lumOff val="40000"/>
+              </a:schemeClr>
+            </a:solidFill>
+          </a:ln>
+        </p:spPr>
+        <p:style>
+          <a:lnRef idx="2">
+            <a:schemeClr val="accent1">
+              <a:shade val="50000"/>
+            </a:schemeClr>
+          </a:lnRef>
+          <a:fillRef idx="1">
+            <a:schemeClr val="accent1"/>
+          </a:fillRef>
+          <a:effectRef idx="0">
+            <a:schemeClr val="accent1"/>
+          </a:effectRef>
+          <a:fontRef idx="minor">
+            <a:schemeClr val="lt1"/>
+          </a:fontRef>
+        </p:style>
+        <p:txBody>
+          <a:bodyPr rtlCol="0" anchor="ctr"/>
+          <a:lstStyle/>
+          <a:p>
+            <a:pPr algn="ctr"/>
+            <a:endParaRPr lang="en-US"/>
+          </a:p>
+        </p:txBody>
+      </p:sp>
+      <p:sp>
+        <p:nvSpPr>
+          <p:cNvPr id="26" name="5-Point Star 25"/>
+          <p:cNvSpPr/>
+          <p:nvPr/>
+        </p:nvSpPr>
+        <p:spPr>
+          <a:xfrm>
+            <a:off x="5355095" y="8612122"/>
+            <a:ext cx="533367" cy="517483"/>
+          </a:xfrm>
+          <a:prstGeom prst="star5">
+            <a:avLst/>
+          </a:prstGeom>
+          <a:noFill/>
+          <a:ln w="38100">
+            <a:solidFill>
+              <a:schemeClr val="accent6">
+                <a:lumMod val="60000"/>
+                <a:lumOff val="40000"/>
+              </a:schemeClr>
+            </a:solidFill>
+          </a:ln>
+        </p:spPr>
+        <p:style>
+          <a:lnRef idx="2">
+            <a:schemeClr val="accent1">
+              <a:shade val="50000"/>
+            </a:schemeClr>
+          </a:lnRef>
+          <a:fillRef idx="1">
+            <a:schemeClr val="accent1"/>
+          </a:fillRef>
+          <a:effectRef idx="0">
+            <a:schemeClr val="accent1"/>
+          </a:effectRef>
+          <a:fontRef idx="minor">
+            <a:schemeClr val="lt1"/>
+          </a:fontRef>
+        </p:style>
+        <p:txBody>
+          <a:bodyPr rtlCol="0" anchor="ctr"/>
+          <a:lstStyle/>
+          <a:p>
+            <a:pPr algn="ctr"/>
+            <a:endParaRPr lang="en-US"/>
+          </a:p>
+        </p:txBody>
+      </p:sp>
+      <p:sp>
+        <p:nvSpPr>
+          <p:cNvPr id="27" name="5-Point Star 26"/>
+          <p:cNvSpPr/>
+          <p:nvPr/>
+        </p:nvSpPr>
+        <p:spPr>
+          <a:xfrm>
+            <a:off x="6080457" y="8612122"/>
+            <a:ext cx="533367" cy="517483"/>
+          </a:xfrm>
+          <a:prstGeom prst="star5">
+            <a:avLst/>
+          </a:prstGeom>
+          <a:noFill/>
+          <a:ln w="38100">
+            <a:solidFill>
+              <a:schemeClr val="accent6">
+                <a:lumMod val="60000"/>
+                <a:lumOff val="40000"/>
+              </a:schemeClr>
+            </a:solidFill>
+          </a:ln>
+        </p:spPr>
+        <p:style>
+          <a:lnRef idx="2">
+            <a:schemeClr val="accent1">
+              <a:shade val="50000"/>
+            </a:schemeClr>
+          </a:lnRef>
+          <a:fillRef idx="1">
+            <a:schemeClr val="accent1"/>
+          </a:fillRef>
+          <a:effectRef idx="0">
+            <a:schemeClr val="accent1"/>
+          </a:effectRef>
+          <a:fontRef idx="minor">
+            <a:schemeClr val="lt1"/>
+          </a:fontRef>
+        </p:style>
+        <p:txBody>
+          <a:bodyPr rtlCol="0" anchor="ctr"/>
+          <a:lstStyle/>
+          <a:p>
+            <a:pPr algn="ctr"/>
+            <a:endParaRPr lang="en-US"/>
+          </a:p>
+        </p:txBody>
+      </p:sp>
+    </p:spTree>
+    <p:extLst>
+      <p:ext uri="{BB962C8B-B14F-4D97-AF65-F5344CB8AC3E}">
+        <p14:creationId xmlns:p14="http://schemas.microsoft.com/office/powerpoint/2010/main" val="1999495401"/>
+      </p:ext>
+    </p:extLst>
+  </p:cSld>
+  <p:clrMapOvr>
+    <a:masterClrMapping/>
+  </p:clrMapOvr>
+</p:sld>
+</file>
+
+<file path=ppt/slides/slide4.xml><?xml version="1.0" encoding="utf-8"?>
+<p:sld xmlns:a="http://schemas.openxmlformats.org/drawingml/2006/main" xmlns:r="http://schemas.openxmlformats.org/officeDocument/2006/relationships" xmlns:p="http://schemas.openxmlformats.org/presentationml/2006/main">
+  <p:cSld>
     <p:spTree>
       <p:nvGrpSpPr>
         <p:cNvPr id="1" name=""/>
@@ -3596,7 +5660,7 @@
         </p:nvGraphicFramePr>
         <p:xfrm>
           <a:off x="919793" y="6194868"/>
-          <a:ext cx="5391260" cy="501396"/>
+          <a:ext cx="5391260" cy="548640"/>
         </p:xfrm>
         <a:graphic>
           <a:graphicData uri="http://schemas.openxmlformats.org/drawingml/2006/table">
@@ -3871,11 +5935,6 @@
               </a:rPr>
               <a:t>2</a:t>
             </a:r>
-            <a:endParaRPr lang="en-US" sz="2800" dirty="0">
-              <a:solidFill>
-                <a:schemeClr val="bg1"/>
-              </a:solidFill>
-            </a:endParaRPr>
           </a:p>
         </p:txBody>
       </p:sp>
@@ -4208,11 +6267,6 @@
               </a:rPr>
               <a:t>3</a:t>
             </a:r>
-            <a:endParaRPr lang="en-US" sz="2800" dirty="0">
-              <a:solidFill>
-                <a:schemeClr val="bg1"/>
-              </a:solidFill>
-            </a:endParaRPr>
           </a:p>
         </p:txBody>
       </p:sp>
@@ -4545,11 +6599,6 @@
               </a:rPr>
               <a:t>4</a:t>
             </a:r>
-            <a:endParaRPr lang="en-US" sz="2800" dirty="0">
-              <a:solidFill>
-                <a:schemeClr val="bg1"/>
-              </a:solidFill>
-            </a:endParaRPr>
           </a:p>
         </p:txBody>
       </p:sp>
@@ -4882,11 +6931,6 @@
               </a:rPr>
               <a:t>5</a:t>
             </a:r>
-            <a:endParaRPr lang="en-US" sz="2800" dirty="0">
-              <a:solidFill>
-                <a:schemeClr val="bg1"/>
-              </a:solidFill>
-            </a:endParaRPr>
           </a:p>
         </p:txBody>
       </p:sp>
@@ -5171,7 +7215,7 @@
     </p:spTree>
     <p:extLst>
       <p:ext uri="{BB962C8B-B14F-4D97-AF65-F5344CB8AC3E}">
-        <p14:creationId xmlns:p14="http://schemas.microsoft.com/office/powerpoint/2010/main" val="1999495401"/>
+        <p14:creationId xmlns:p14="http://schemas.microsoft.com/office/powerpoint/2010/main" val="3306313686"/>
       </p:ext>
     </p:extLst>
   </p:cSld>
@@ -5181,7 +7225,7 @@
 </p:sld>
 </file>
 
-<file path=ppt/slides/slide2.xml><?xml version="1.0" encoding="utf-8"?>
+<file path=ppt/slides/slide5.xml><?xml version="1.0" encoding="utf-8"?>
 <p:sld xmlns:a="http://schemas.openxmlformats.org/drawingml/2006/main" xmlns:r="http://schemas.openxmlformats.org/officeDocument/2006/relationships" xmlns:p="http://schemas.openxmlformats.org/presentationml/2006/main">
   <p:cSld>
     <p:spTree>
@@ -6075,14 +8119,6 @@
           <a:lstStyle/>
           <a:p>
             <a:pPr algn="ctr"/>
-            <a:r>
-              <a:rPr lang="en-US" sz="2800" dirty="0" smtClean="0">
-                <a:solidFill>
-                  <a:schemeClr val="bg1"/>
-                </a:solidFill>
-              </a:rPr>
-              <a:t>2</a:t>
-            </a:r>
             <a:endParaRPr lang="en-US" sz="2800" dirty="0">
               <a:solidFill>
                 <a:schemeClr val="bg1"/>
@@ -6506,7 +8542,7 @@
             </a:pPr>
             <a:r>
               <a:rPr lang="en-US" dirty="0" smtClean="0"/>
-              <a:t>Exist: 	</a:t>
+              <a:t>Exists: 	</a:t>
             </a:r>
             <a:r>
               <a:rPr lang="en-US" dirty="0"/>
@@ -6514,11 +8550,7 @@
             </a:r>
             <a:r>
               <a:rPr lang="en-US" dirty="0" smtClean="0"/>
-              <a:t>	      </a:t>
-            </a:r>
-            <a:r>
-              <a:rPr lang="en-US" dirty="0" smtClean="0"/>
-              <a:t>Comments (31):		</a:t>
+              <a:t>	      Comments (31):		</a:t>
             </a:r>
           </a:p>
           <a:p>
@@ -6531,7 +8563,6 @@
               <a:rPr lang="en-US" dirty="0" smtClean="0"/>
               <a:t>Disabled stall:</a:t>
             </a:r>
-            <a:endParaRPr lang="en-US" dirty="0" smtClean="0"/>
           </a:p>
           <a:p>
             <a:pPr>
@@ -6555,11 +8586,7 @@
             </a:pPr>
             <a:r>
               <a:rPr lang="en-US" dirty="0" smtClean="0"/>
-              <a:t>Number</a:t>
-            </a:r>
-            <a:r>
-              <a:rPr lang="en-US" dirty="0" smtClean="0"/>
-              <a:t> of sinks: </a:t>
+              <a:t>Number of sinks: </a:t>
             </a:r>
             <a:r>
               <a:rPr lang="en-US" sz="1600" dirty="0" smtClean="0"/>
@@ -7041,7 +9068,7 @@
 </p:sld>
 </file>
 
-<file path=ppt/slides/slide3.xml><?xml version="1.0" encoding="utf-8"?>
+<file path=ppt/slides/slide6.xml><?xml version="1.0" encoding="utf-8"?>
 <p:sld xmlns:a="http://schemas.openxmlformats.org/drawingml/2006/main" xmlns:r="http://schemas.openxmlformats.org/officeDocument/2006/relationships" xmlns:p="http://schemas.openxmlformats.org/presentationml/2006/main">
   <p:cSld>
     <p:spTree>
@@ -7954,11 +9981,6 @@
               </a:rPr>
               <a:t>2</a:t>
             </a:r>
-            <a:endParaRPr lang="en-US" sz="2800" dirty="0">
-              <a:solidFill>
-                <a:schemeClr val="bg1"/>
-              </a:solidFill>
-            </a:endParaRPr>
           </a:p>
         </p:txBody>
       </p:sp>
@@ -8285,11 +10307,6 @@
               </a:rPr>
               <a:t>3</a:t>
             </a:r>
-            <a:endParaRPr lang="en-US" sz="2800" dirty="0">
-              <a:solidFill>
-                <a:schemeClr val="bg1"/>
-              </a:solidFill>
-            </a:endParaRPr>
           </a:p>
         </p:txBody>
       </p:sp>
@@ -8616,11 +10633,6 @@
               </a:rPr>
               <a:t>4</a:t>
             </a:r>
-            <a:endParaRPr lang="en-US" sz="2800" dirty="0">
-              <a:solidFill>
-                <a:schemeClr val="bg1"/>
-              </a:solidFill>
-            </a:endParaRPr>
           </a:p>
         </p:txBody>
       </p:sp>
@@ -8947,11 +10959,6 @@
               </a:rPr>
               <a:t>5</a:t>
             </a:r>
-            <a:endParaRPr lang="en-US" sz="2800" dirty="0">
-              <a:solidFill>
-                <a:schemeClr val="bg1"/>
-              </a:solidFill>
-            </a:endParaRPr>
           </a:p>
         </p:txBody>
       </p:sp>
@@ -9240,7 +11247,7 @@
 </p:sld>
 </file>
 
-<file path=ppt/slides/slide4.xml><?xml version="1.0" encoding="utf-8"?>
+<file path=ppt/slides/slide7.xml><?xml version="1.0" encoding="utf-8"?>
 <p:sld xmlns:a="http://schemas.openxmlformats.org/drawingml/2006/main" xmlns:r="http://schemas.openxmlformats.org/officeDocument/2006/relationships" xmlns:p="http://schemas.openxmlformats.org/presentationml/2006/main">
   <p:cSld>
     <p:spTree>
